--- a/slides/搜索/搜索剪枝优化.pptx
+++ b/slides/搜索/搜索剪枝优化.pptx
@@ -117,6 +117,11 @@
       </a:defRPr>
     </a:lvl9pPr>
   </p:defaultTextStyle>
+  <p:extLst>
+    <p:ext uri="{EFAFB233-063F-42B5-8137-9DF3F51BA10A}">
+      <p15:sldGuideLst xmlns:p15="http://schemas.microsoft.com/office/powerpoint/2012/main"/>
+    </p:ext>
+  </p:extLst>
 </p:presentation>
 </file>
 
@@ -345,7 +350,7 @@
             <a:fld id="{5586B75A-687E-405C-8A0B-8D00578BA2C3}" type="datetimeFigureOut">
               <a:rPr lang="en-US" dirty="0"/>
               <a:pPr/>
-              <a:t>10/17/2020</a:t>
+              <a:t>10/18/2020</a:t>
             </a:fld>
             <a:endParaRPr lang="en-US" dirty="0"/>
           </a:p>
@@ -512,7 +517,7 @@
             <a:fld id="{5586B75A-687E-405C-8A0B-8D00578BA2C3}" type="datetimeFigureOut">
               <a:rPr lang="en-US" dirty="0"/>
               <a:pPr/>
-              <a:t>10/17/2020</a:t>
+              <a:t>10/18/2020</a:t>
             </a:fld>
             <a:endParaRPr lang="en-US" dirty="0"/>
           </a:p>
@@ -689,7 +694,7 @@
             <a:fld id="{5586B75A-687E-405C-8A0B-8D00578BA2C3}" type="datetimeFigureOut">
               <a:rPr lang="en-US" dirty="0"/>
               <a:pPr/>
-              <a:t>10/17/2020</a:t>
+              <a:t>10/18/2020</a:t>
             </a:fld>
             <a:endParaRPr lang="en-US" dirty="0"/>
           </a:p>
@@ -856,7 +861,7 @@
             <a:fld id="{5586B75A-687E-405C-8A0B-8D00578BA2C3}" type="datetimeFigureOut">
               <a:rPr lang="en-US" dirty="0"/>
               <a:pPr/>
-              <a:t>10/17/2020</a:t>
+              <a:t>10/18/2020</a:t>
             </a:fld>
             <a:endParaRPr lang="en-US" dirty="0"/>
           </a:p>
@@ -1111,7 +1116,7 @@
             <a:fld id="{5586B75A-687E-405C-8A0B-8D00578BA2C3}" type="datetimeFigureOut">
               <a:rPr lang="en-US" dirty="0"/>
               <a:pPr/>
-              <a:t>10/17/2020</a:t>
+              <a:t>10/18/2020</a:t>
             </a:fld>
             <a:endParaRPr lang="en-US" dirty="0"/>
           </a:p>
@@ -1396,7 +1401,7 @@
             <a:fld id="{5586B75A-687E-405C-8A0B-8D00578BA2C3}" type="datetimeFigureOut">
               <a:rPr lang="en-US" dirty="0"/>
               <a:pPr/>
-              <a:t>10/17/2020</a:t>
+              <a:t>10/18/2020</a:t>
             </a:fld>
             <a:endParaRPr lang="en-US" dirty="0"/>
           </a:p>
@@ -1835,7 +1840,7 @@
             <a:fld id="{5586B75A-687E-405C-8A0B-8D00578BA2C3}" type="datetimeFigureOut">
               <a:rPr lang="en-US" dirty="0"/>
               <a:pPr/>
-              <a:t>10/17/2020</a:t>
+              <a:t>10/18/2020</a:t>
             </a:fld>
             <a:endParaRPr lang="en-US" dirty="0"/>
           </a:p>
@@ -1950,7 +1955,7 @@
             <a:fld id="{5586B75A-687E-405C-8A0B-8D00578BA2C3}" type="datetimeFigureOut">
               <a:rPr lang="en-US" dirty="0"/>
               <a:pPr/>
-              <a:t>10/17/2020</a:t>
+              <a:t>10/18/2020</a:t>
             </a:fld>
             <a:endParaRPr lang="en-US" dirty="0"/>
           </a:p>
@@ -2042,7 +2047,7 @@
             <a:fld id="{5586B75A-687E-405C-8A0B-8D00578BA2C3}" type="datetimeFigureOut">
               <a:rPr lang="en-US" dirty="0"/>
               <a:pPr/>
-              <a:t>10/17/2020</a:t>
+              <a:t>10/18/2020</a:t>
             </a:fld>
             <a:endParaRPr lang="en-US" dirty="0"/>
           </a:p>
@@ -2327,7 +2332,7 @@
             <a:fld id="{5586B75A-687E-405C-8A0B-8D00578BA2C3}" type="datetimeFigureOut">
               <a:rPr lang="en-US" dirty="0"/>
               <a:pPr/>
-              <a:t>10/17/2020</a:t>
+              <a:t>10/18/2020</a:t>
             </a:fld>
             <a:endParaRPr lang="en-US" dirty="0"/>
           </a:p>
@@ -2597,7 +2602,7 @@
             <a:fld id="{5586B75A-687E-405C-8A0B-8D00578BA2C3}" type="datetimeFigureOut">
               <a:rPr lang="en-US" dirty="0"/>
               <a:pPr/>
-              <a:t>10/17/2020</a:t>
+              <a:t>10/18/2020</a:t>
             </a:fld>
             <a:endParaRPr lang="en-US" dirty="0"/>
           </a:p>
@@ -2891,7 +2896,7 @@
             <a:fld id="{5586B75A-687E-405C-8A0B-8D00578BA2C3}" type="datetimeFigureOut">
               <a:rPr lang="en-US" dirty="0"/>
               <a:pPr/>
-              <a:t>10/17/2020</a:t>
+              <a:t>10/18/2020</a:t>
             </a:fld>
             <a:endParaRPr lang="en-US" dirty="0"/>
           </a:p>
@@ -4424,42 +4429,41 @@
           <a:lstStyle/>
           <a:p>
             <a:r>
-              <a:rPr lang="en-US" altLang="zh-CN" dirty="0" err="1"/>
+              <a:rPr lang="en-US" altLang="zh-CN" sz="4400" dirty="0" err="1"/>
               <a:t>Luogu</a:t>
             </a:r>
             <a:r>
-              <a:rPr lang="en-US" altLang="zh-CN" dirty="0"/>
+              <a:rPr lang="en-US" altLang="zh-CN" sz="4400" dirty="0"/>
               <a:t> 1433</a:t>
             </a:r>
           </a:p>
           <a:p>
             <a:r>
-              <a:rPr lang="en-US" altLang="zh-CN" dirty="0" err="1"/>
+              <a:rPr lang="en-US" altLang="zh-CN" sz="4400" dirty="0" err="1"/>
               <a:t>Luogu</a:t>
             </a:r>
             <a:r>
-              <a:rPr lang="en-US" altLang="zh-CN"/>
+              <a:rPr lang="en-US" altLang="zh-CN" sz="4400" dirty="0"/>
               <a:t> 1025</a:t>
             </a:r>
-            <a:endParaRPr lang="en-US" altLang="zh-CN" dirty="0"/>
-          </a:p>
-          <a:p>
-            <a:r>
-              <a:rPr lang="en-US" altLang="zh-CN" dirty="0" err="1"/>
+          </a:p>
+          <a:p>
+            <a:r>
+              <a:rPr lang="en-US" altLang="zh-CN" sz="4400" dirty="0" err="1"/>
               <a:t>Luogu</a:t>
             </a:r>
             <a:r>
-              <a:rPr lang="en-US" altLang="zh-CN" dirty="0"/>
+              <a:rPr lang="en-US" altLang="zh-CN" sz="4400" dirty="0"/>
               <a:t> 1036</a:t>
             </a:r>
           </a:p>
           <a:p>
             <a:r>
-              <a:rPr lang="en-US" altLang="zh-CN" dirty="0" err="1"/>
+              <a:rPr lang="en-US" altLang="zh-CN" sz="4400" dirty="0" err="1"/>
               <a:t>Luogu</a:t>
             </a:r>
             <a:r>
-              <a:rPr lang="en-US" altLang="zh-CN" dirty="0"/>
+              <a:rPr lang="en-US" altLang="zh-CN" sz="4400" dirty="0"/>
               <a:t> 1731</a:t>
             </a:r>
           </a:p>
